--- a/Project (Assignment)/Presentation1.pptx
+++ b/Project (Assignment)/Presentation1.pptx
@@ -104,6 +104,11 @@
       </a:defRPr>
     </a:lvl9pPr>
   </p:defaultTextStyle>
+  <p:extLst>
+    <p:ext uri="{EFAFB233-063F-42B5-8137-9DF3F51BA10A}">
+      <p15:sldGuideLst xmlns:p15="http://schemas.microsoft.com/office/powerpoint/2012/main"/>
+    </p:ext>
+  </p:extLst>
 </p:presentation>
 </file>
 
@@ -295,9 +300,9 @@
           <a:p>
             <a:fld id="{C3C8B250-AD29-4D7D-9841-DAEE55D22BCB}" type="datetimeFigureOut">
               <a:rPr lang="en-US" smtClean="0"/>
-              <a:t>11/19/2024</a:t>
+              <a:t>11/22/2024</a:t>
             </a:fld>
-            <a:endParaRPr lang="en-US"/>
+            <a:endParaRPr lang="en-US" dirty="0"/>
           </a:p>
         </p:txBody>
       </p:sp>
@@ -316,7 +321,7 @@
           <a:bodyPr/>
           <a:lstStyle/>
           <a:p>
-            <a:endParaRPr lang="en-US"/>
+            <a:endParaRPr lang="en-US" dirty="0"/>
           </a:p>
         </p:txBody>
       </p:sp>
@@ -426,7 +431,7 @@
               <a:rPr lang="en-US" smtClean="0"/>
               <a:t>‹#›</a:t>
             </a:fld>
-            <a:endParaRPr lang="en-US"/>
+            <a:endParaRPr lang="en-US" dirty="0"/>
           </a:p>
         </p:txBody>
       </p:sp>
@@ -633,9 +638,9 @@
           <a:p>
             <a:fld id="{C3C8B250-AD29-4D7D-9841-DAEE55D22BCB}" type="datetimeFigureOut">
               <a:rPr lang="en-US" smtClean="0"/>
-              <a:t>11/19/2024</a:t>
+              <a:t>11/22/2024</a:t>
             </a:fld>
-            <a:endParaRPr lang="en-US"/>
+            <a:endParaRPr lang="en-US" dirty="0"/>
           </a:p>
         </p:txBody>
       </p:sp>
@@ -654,7 +659,7 @@
           <a:bodyPr/>
           <a:lstStyle/>
           <a:p>
-            <a:endParaRPr lang="en-US"/>
+            <a:endParaRPr lang="en-US" dirty="0"/>
           </a:p>
         </p:txBody>
       </p:sp>
@@ -764,7 +769,7 @@
               <a:rPr lang="en-US" smtClean="0"/>
               <a:t>‹#›</a:t>
             </a:fld>
-            <a:endParaRPr lang="en-US"/>
+            <a:endParaRPr lang="en-US" dirty="0"/>
           </a:p>
         </p:txBody>
       </p:sp>
@@ -1034,9 +1039,9 @@
           <a:p>
             <a:fld id="{C3C8B250-AD29-4D7D-9841-DAEE55D22BCB}" type="datetimeFigureOut">
               <a:rPr lang="en-US" smtClean="0"/>
-              <a:t>11/19/2024</a:t>
+              <a:t>11/22/2024</a:t>
             </a:fld>
-            <a:endParaRPr lang="en-US"/>
+            <a:endParaRPr lang="en-US" dirty="0"/>
           </a:p>
         </p:txBody>
       </p:sp>
@@ -1055,7 +1060,7 @@
           <a:bodyPr/>
           <a:lstStyle/>
           <a:p>
-            <a:endParaRPr lang="en-US"/>
+            <a:endParaRPr lang="en-US" dirty="0"/>
           </a:p>
         </p:txBody>
       </p:sp>
@@ -1165,7 +1170,7 @@
               <a:rPr lang="en-US" smtClean="0"/>
               <a:t>‹#›</a:t>
             </a:fld>
-            <a:endParaRPr lang="en-US"/>
+            <a:endParaRPr lang="en-US" dirty="0"/>
           </a:p>
         </p:txBody>
       </p:sp>
@@ -1370,9 +1375,9 @@
           <a:p>
             <a:fld id="{C3C8B250-AD29-4D7D-9841-DAEE55D22BCB}" type="datetimeFigureOut">
               <a:rPr lang="en-US" smtClean="0"/>
-              <a:t>11/19/2024</a:t>
+              <a:t>11/22/2024</a:t>
             </a:fld>
-            <a:endParaRPr lang="en-US"/>
+            <a:endParaRPr lang="en-US" dirty="0"/>
           </a:p>
         </p:txBody>
       </p:sp>
@@ -1391,7 +1396,7 @@
           <a:bodyPr/>
           <a:lstStyle/>
           <a:p>
-            <a:endParaRPr lang="en-US"/>
+            <a:endParaRPr lang="en-US" dirty="0"/>
           </a:p>
         </p:txBody>
       </p:sp>
@@ -1501,7 +1506,7 @@
               <a:rPr lang="en-US" smtClean="0"/>
               <a:t>‹#›</a:t>
             </a:fld>
-            <a:endParaRPr lang="en-US"/>
+            <a:endParaRPr lang="en-US" dirty="0"/>
           </a:p>
         </p:txBody>
       </p:sp>
@@ -1690,9 +1695,9 @@
           <a:p>
             <a:fld id="{C3C8B250-AD29-4D7D-9841-DAEE55D22BCB}" type="datetimeFigureOut">
               <a:rPr lang="en-US" smtClean="0"/>
-              <a:t>11/19/2024</a:t>
+              <a:t>11/22/2024</a:t>
             </a:fld>
-            <a:endParaRPr lang="en-US"/>
+            <a:endParaRPr lang="en-US" dirty="0"/>
           </a:p>
         </p:txBody>
       </p:sp>
@@ -1711,7 +1716,7 @@
           <a:bodyPr/>
           <a:lstStyle/>
           <a:p>
-            <a:endParaRPr lang="en-US"/>
+            <a:endParaRPr lang="en-US" dirty="0"/>
           </a:p>
         </p:txBody>
       </p:sp>
@@ -1821,7 +1826,7 @@
               <a:rPr lang="en-US" smtClean="0"/>
               <a:t>‹#›</a:t>
             </a:fld>
-            <a:endParaRPr lang="en-US"/>
+            <a:endParaRPr lang="en-US" dirty="0"/>
           </a:p>
         </p:txBody>
       </p:sp>
@@ -2086,9 +2091,9 @@
           <a:p>
             <a:fld id="{C3C8B250-AD29-4D7D-9841-DAEE55D22BCB}" type="datetimeFigureOut">
               <a:rPr lang="en-US" smtClean="0"/>
-              <a:t>11/19/2024</a:t>
+              <a:t>11/22/2024</a:t>
             </a:fld>
-            <a:endParaRPr lang="en-US"/>
+            <a:endParaRPr lang="en-US" dirty="0"/>
           </a:p>
         </p:txBody>
       </p:sp>
@@ -2107,7 +2112,7 @@
           <a:bodyPr/>
           <a:lstStyle/>
           <a:p>
-            <a:endParaRPr lang="en-US"/>
+            <a:endParaRPr lang="en-US" dirty="0"/>
           </a:p>
         </p:txBody>
       </p:sp>
@@ -2217,7 +2222,7 @@
               <a:rPr lang="en-US" smtClean="0"/>
               <a:t>‹#›</a:t>
             </a:fld>
-            <a:endParaRPr lang="en-US"/>
+            <a:endParaRPr lang="en-US" dirty="0"/>
           </a:p>
         </p:txBody>
       </p:sp>
@@ -2343,9 +2348,9 @@
           <a:p>
             <a:fld id="{C3C8B250-AD29-4D7D-9841-DAEE55D22BCB}" type="datetimeFigureOut">
               <a:rPr lang="en-US" smtClean="0"/>
-              <a:t>11/19/2024</a:t>
+              <a:t>11/22/2024</a:t>
             </a:fld>
-            <a:endParaRPr lang="en-US"/>
+            <a:endParaRPr lang="en-US" dirty="0"/>
           </a:p>
         </p:txBody>
       </p:sp>
@@ -2364,7 +2369,7 @@
           <a:bodyPr/>
           <a:lstStyle/>
           <a:p>
-            <a:endParaRPr lang="en-US"/>
+            <a:endParaRPr lang="en-US" dirty="0"/>
           </a:p>
         </p:txBody>
       </p:sp>
@@ -2469,7 +2474,7 @@
               <a:rPr lang="en-US" smtClean="0"/>
               <a:t>‹#›</a:t>
             </a:fld>
-            <a:endParaRPr lang="en-US"/>
+            <a:endParaRPr lang="en-US" dirty="0"/>
           </a:p>
         </p:txBody>
       </p:sp>
@@ -2605,9 +2610,9 @@
           <a:p>
             <a:fld id="{C3C8B250-AD29-4D7D-9841-DAEE55D22BCB}" type="datetimeFigureOut">
               <a:rPr lang="en-US" smtClean="0"/>
-              <a:t>11/19/2024</a:t>
+              <a:t>11/22/2024</a:t>
             </a:fld>
-            <a:endParaRPr lang="en-US"/>
+            <a:endParaRPr lang="en-US" dirty="0"/>
           </a:p>
         </p:txBody>
       </p:sp>
@@ -2626,7 +2631,7 @@
           <a:bodyPr/>
           <a:lstStyle/>
           <a:p>
-            <a:endParaRPr lang="en-US"/>
+            <a:endParaRPr lang="en-US" dirty="0"/>
           </a:p>
         </p:txBody>
       </p:sp>
@@ -2731,7 +2736,7 @@
               <a:rPr lang="en-US" smtClean="0"/>
               <a:t>‹#›</a:t>
             </a:fld>
-            <a:endParaRPr lang="en-US"/>
+            <a:endParaRPr lang="en-US" dirty="0"/>
           </a:p>
         </p:txBody>
       </p:sp>
@@ -2867,9 +2872,9 @@
           <a:p>
             <a:fld id="{C3C8B250-AD29-4D7D-9841-DAEE55D22BCB}" type="datetimeFigureOut">
               <a:rPr lang="en-US" smtClean="0"/>
-              <a:t>11/19/2024</a:t>
+              <a:t>11/22/2024</a:t>
             </a:fld>
-            <a:endParaRPr lang="en-US"/>
+            <a:endParaRPr lang="en-US" dirty="0"/>
           </a:p>
         </p:txBody>
       </p:sp>
@@ -2888,7 +2893,7 @@
           <a:bodyPr/>
           <a:lstStyle/>
           <a:p>
-            <a:endParaRPr lang="en-US"/>
+            <a:endParaRPr lang="en-US" dirty="0"/>
           </a:p>
         </p:txBody>
       </p:sp>
@@ -2993,7 +2998,7 @@
               <a:rPr lang="en-US" smtClean="0"/>
               <a:t>‹#›</a:t>
             </a:fld>
-            <a:endParaRPr lang="en-US"/>
+            <a:endParaRPr lang="en-US" dirty="0"/>
           </a:p>
         </p:txBody>
       </p:sp>
@@ -3196,9 +3201,9 @@
           <a:p>
             <a:fld id="{C3C8B250-AD29-4D7D-9841-DAEE55D22BCB}" type="datetimeFigureOut">
               <a:rPr lang="en-US" smtClean="0"/>
-              <a:t>11/19/2024</a:t>
+              <a:t>11/22/2024</a:t>
             </a:fld>
-            <a:endParaRPr lang="en-US"/>
+            <a:endParaRPr lang="en-US" dirty="0"/>
           </a:p>
         </p:txBody>
       </p:sp>
@@ -3217,7 +3222,7 @@
           <a:bodyPr/>
           <a:lstStyle/>
           <a:p>
-            <a:endParaRPr lang="en-US"/>
+            <a:endParaRPr lang="en-US" dirty="0"/>
           </a:p>
         </p:txBody>
       </p:sp>
@@ -3327,7 +3332,7 @@
               <a:rPr lang="en-US" smtClean="0"/>
               <a:t>‹#›</a:t>
             </a:fld>
-            <a:endParaRPr lang="en-US"/>
+            <a:endParaRPr lang="en-US" dirty="0"/>
           </a:p>
         </p:txBody>
       </p:sp>
@@ -3519,9 +3524,9 @@
           <a:p>
             <a:fld id="{C3C8B250-AD29-4D7D-9841-DAEE55D22BCB}" type="datetimeFigureOut">
               <a:rPr lang="en-US" smtClean="0"/>
-              <a:t>11/19/2024</a:t>
+              <a:t>11/22/2024</a:t>
             </a:fld>
-            <a:endParaRPr lang="en-US"/>
+            <a:endParaRPr lang="en-US" dirty="0"/>
           </a:p>
         </p:txBody>
       </p:sp>
@@ -3540,7 +3545,7 @@
           <a:bodyPr/>
           <a:lstStyle/>
           <a:p>
-            <a:endParaRPr lang="en-US"/>
+            <a:endParaRPr lang="en-US" dirty="0"/>
           </a:p>
         </p:txBody>
       </p:sp>
@@ -3650,7 +3655,7 @@
               <a:rPr lang="en-US" smtClean="0"/>
               <a:t>‹#›</a:t>
             </a:fld>
-            <a:endParaRPr lang="en-US"/>
+            <a:endParaRPr lang="en-US" dirty="0"/>
           </a:p>
         </p:txBody>
       </p:sp>
@@ -3976,9 +3981,9 @@
           <a:p>
             <a:fld id="{C3C8B250-AD29-4D7D-9841-DAEE55D22BCB}" type="datetimeFigureOut">
               <a:rPr lang="en-US" smtClean="0"/>
-              <a:t>11/19/2024</a:t>
+              <a:t>11/22/2024</a:t>
             </a:fld>
-            <a:endParaRPr lang="en-US"/>
+            <a:endParaRPr lang="en-US" dirty="0"/>
           </a:p>
         </p:txBody>
       </p:sp>
@@ -3997,7 +4002,7 @@
           <a:bodyPr/>
           <a:lstStyle/>
           <a:p>
-            <a:endParaRPr lang="en-US"/>
+            <a:endParaRPr lang="en-US" dirty="0"/>
           </a:p>
         </p:txBody>
       </p:sp>
@@ -4107,7 +4112,7 @@
               <a:rPr lang="en-US" smtClean="0"/>
               <a:t>‹#›</a:t>
             </a:fld>
-            <a:endParaRPr lang="en-US"/>
+            <a:endParaRPr lang="en-US" dirty="0"/>
           </a:p>
         </p:txBody>
       </p:sp>
@@ -4181,9 +4186,9 @@
           <a:p>
             <a:fld id="{C3C8B250-AD29-4D7D-9841-DAEE55D22BCB}" type="datetimeFigureOut">
               <a:rPr lang="en-US" smtClean="0"/>
-              <a:t>11/19/2024</a:t>
+              <a:t>11/22/2024</a:t>
             </a:fld>
-            <a:endParaRPr lang="en-US"/>
+            <a:endParaRPr lang="en-US" dirty="0"/>
           </a:p>
         </p:txBody>
       </p:sp>
@@ -4202,7 +4207,7 @@
           <a:bodyPr/>
           <a:lstStyle/>
           <a:p>
-            <a:endParaRPr lang="en-US"/>
+            <a:endParaRPr lang="en-US" dirty="0"/>
           </a:p>
         </p:txBody>
       </p:sp>
@@ -4307,7 +4312,7 @@
               <a:rPr lang="en-US" smtClean="0"/>
               <a:t>‹#›</a:t>
             </a:fld>
-            <a:endParaRPr lang="en-US"/>
+            <a:endParaRPr lang="en-US" dirty="0"/>
           </a:p>
         </p:txBody>
       </p:sp>
@@ -4358,9 +4363,9 @@
           <a:p>
             <a:fld id="{C3C8B250-AD29-4D7D-9841-DAEE55D22BCB}" type="datetimeFigureOut">
               <a:rPr lang="en-US" smtClean="0"/>
-              <a:t>11/19/2024</a:t>
+              <a:t>11/22/2024</a:t>
             </a:fld>
-            <a:endParaRPr lang="en-US"/>
+            <a:endParaRPr lang="en-US" dirty="0"/>
           </a:p>
         </p:txBody>
       </p:sp>
@@ -4379,7 +4384,7 @@
           <a:bodyPr/>
           <a:lstStyle/>
           <a:p>
-            <a:endParaRPr lang="en-US"/>
+            <a:endParaRPr lang="en-US" dirty="0"/>
           </a:p>
         </p:txBody>
       </p:sp>
@@ -4484,7 +4489,7 @@
               <a:rPr lang="en-US" smtClean="0"/>
               <a:t>‹#›</a:t>
             </a:fld>
-            <a:endParaRPr lang="en-US"/>
+            <a:endParaRPr lang="en-US" dirty="0"/>
           </a:p>
         </p:txBody>
       </p:sp>
@@ -4691,9 +4696,9 @@
           <a:p>
             <a:fld id="{C3C8B250-AD29-4D7D-9841-DAEE55D22BCB}" type="datetimeFigureOut">
               <a:rPr lang="en-US" smtClean="0"/>
-              <a:t>11/19/2024</a:t>
+              <a:t>11/22/2024</a:t>
             </a:fld>
-            <a:endParaRPr lang="en-US"/>
+            <a:endParaRPr lang="en-US" dirty="0"/>
           </a:p>
         </p:txBody>
       </p:sp>
@@ -4712,7 +4717,7 @@
           <a:bodyPr/>
           <a:lstStyle/>
           <a:p>
-            <a:endParaRPr lang="en-US"/>
+            <a:endParaRPr lang="en-US" dirty="0"/>
           </a:p>
         </p:txBody>
       </p:sp>
@@ -4817,7 +4822,7 @@
               <a:rPr lang="en-US" smtClean="0"/>
               <a:t>‹#›</a:t>
             </a:fld>
-            <a:endParaRPr lang="en-US"/>
+            <a:endParaRPr lang="en-US" dirty="0"/>
           </a:p>
         </p:txBody>
       </p:sp>
@@ -4945,10 +4950,9 @@
           </a:lstStyle>
           <a:p>
             <a:r>
-              <a:rPr lang="en-US"/>
+              <a:rPr lang="en-US" dirty="0"/>
               <a:t>Click icon to add picture</a:t>
             </a:r>
-            <a:endParaRPr lang="en-US" dirty="0"/>
           </a:p>
         </p:txBody>
       </p:sp>
@@ -5036,9 +5040,9 @@
           <a:p>
             <a:fld id="{C3C8B250-AD29-4D7D-9841-DAEE55D22BCB}" type="datetimeFigureOut">
               <a:rPr lang="en-US" smtClean="0"/>
-              <a:t>11/19/2024</a:t>
+              <a:t>11/22/2024</a:t>
             </a:fld>
-            <a:endParaRPr lang="en-US"/>
+            <a:endParaRPr lang="en-US" dirty="0"/>
           </a:p>
         </p:txBody>
       </p:sp>
@@ -5057,7 +5061,7 @@
           <a:bodyPr/>
           <a:lstStyle/>
           <a:p>
-            <a:endParaRPr lang="en-US"/>
+            <a:endParaRPr lang="en-US" dirty="0"/>
           </a:p>
         </p:txBody>
       </p:sp>
@@ -5167,7 +5171,7 @@
               <a:rPr lang="en-US" smtClean="0"/>
               <a:t>‹#›</a:t>
             </a:fld>
-            <a:endParaRPr lang="en-US"/>
+            <a:endParaRPr lang="en-US" dirty="0"/>
           </a:p>
         </p:txBody>
       </p:sp>
@@ -7153,9 +7157,9 @@
           <a:p>
             <a:fld id="{C3C8B250-AD29-4D7D-9841-DAEE55D22BCB}" type="datetimeFigureOut">
               <a:rPr lang="en-US" smtClean="0"/>
-              <a:t>11/19/2024</a:t>
+              <a:t>11/22/2024</a:t>
             </a:fld>
-            <a:endParaRPr lang="en-US"/>
+            <a:endParaRPr lang="en-US" dirty="0"/>
           </a:p>
         </p:txBody>
       </p:sp>
@@ -7192,7 +7196,7 @@
             </a:lvl1pPr>
           </a:lstStyle>
           <a:p>
-            <a:endParaRPr lang="en-US"/>
+            <a:endParaRPr lang="en-US" dirty="0"/>
           </a:p>
         </p:txBody>
       </p:sp>
@@ -7231,7 +7235,7 @@
               <a:rPr lang="en-US" smtClean="0"/>
               <a:t>‹#›</a:t>
             </a:fld>
-            <a:endParaRPr lang="en-US"/>
+            <a:endParaRPr lang="en-US" dirty="0"/>
           </a:p>
         </p:txBody>
       </p:sp>
@@ -7779,7 +7783,7 @@
         </p:nvSpPr>
         <p:spPr>
           <a:xfrm>
-            <a:off x="1762762" y="3805889"/>
+            <a:off x="1711964" y="3921342"/>
             <a:ext cx="2350323" cy="400110"/>
           </a:xfrm>
           <a:prstGeom prst="rect">
@@ -7826,8 +7830,8 @@
         </p:nvSpPr>
         <p:spPr>
           <a:xfrm>
-            <a:off x="1762762" y="4275698"/>
-            <a:ext cx="4491734" cy="861774"/>
+            <a:off x="1711964" y="4385123"/>
+            <a:ext cx="3461510" cy="861774"/>
           </a:xfrm>
           <a:prstGeom prst="rect">
             <a:avLst/>
@@ -7861,19 +7865,7 @@
             </a:r>
             <a:r>
               <a:rPr lang="en-US" sz="1600" dirty="0"/>
-              <a:t>Flask, </a:t>
-            </a:r>
-            <a:r>
-              <a:rPr lang="en-US" sz="1600" dirty="0" err="1"/>
-              <a:t>BeautifulSoup</a:t>
-            </a:r>
-            <a:r>
-              <a:rPr lang="en-US" sz="1600" dirty="0"/>
-              <a:t>, 		  	 	      Requests and Flask-</a:t>
-            </a:r>
-            <a:r>
-              <a:rPr lang="en-US" sz="1600" dirty="0" err="1"/>
-              <a:t>cors</a:t>
+              <a:t>Flask, Beautiful-Soup, Requests and Flask-cors</a:t>
             </a:r>
             <a:endParaRPr lang="en-US" dirty="0"/>
           </a:p>
@@ -7893,8 +7885,8 @@
         </p:nvSpPr>
         <p:spPr>
           <a:xfrm>
-            <a:off x="6967728" y="4205999"/>
-            <a:ext cx="3461510" cy="1077218"/>
+            <a:off x="5331589" y="4415901"/>
+            <a:ext cx="1667637" cy="1077218"/>
           </a:xfrm>
           <a:prstGeom prst="rect">
             <a:avLst/>
@@ -8039,8 +8031,8 @@
         </p:nvSpPr>
         <p:spPr>
           <a:xfrm>
-            <a:off x="1762762" y="5283217"/>
-            <a:ext cx="2839239" cy="830997"/>
+            <a:off x="1762762" y="5762605"/>
+            <a:ext cx="2465740" cy="584775"/>
           </a:xfrm>
           <a:prstGeom prst="rect">
             <a:avLst/>
@@ -8053,19 +8045,13 @@
           </a:bodyPr>
           <a:lstStyle/>
           <a:p>
-            <a:r>
-              <a:rPr lang="en-US" sz="1600" b="1" dirty="0"/>
-              <a:t>Challenges and Solutions:-</a:t>
-            </a:r>
-          </a:p>
-          <a:p>
             <a:pPr marL="285750" indent="-285750">
               <a:buFont typeface="Arial" panose="020B0604020202020204" pitchFamily="34" charset="0"/>
               <a:buChar char="•"/>
             </a:pPr>
             <a:r>
               <a:rPr lang="en-US" sz="1600" dirty="0"/>
-              <a:t>CORS issue        	</a:t>
+              <a:t>CORS issue    </a:t>
             </a:r>
           </a:p>
           <a:p>
@@ -8094,7 +8080,7 @@
         </p:nvSpPr>
         <p:spPr>
           <a:xfrm>
-            <a:off x="7717288" y="5791048"/>
+            <a:off x="7717288" y="5983859"/>
             <a:ext cx="3879588" cy="646331"/>
           </a:xfrm>
           <a:prstGeom prst="rect">
@@ -8125,6 +8111,160 @@
             <a:r>
               <a:rPr lang="en-US" dirty="0"/>
               <a:t>Dr. Shivang Tripathi</a:t>
+            </a:r>
+          </a:p>
+        </p:txBody>
+      </p:sp>
+      <p:sp>
+        <p:nvSpPr>
+          <p:cNvPr id="8" name="TextBox 7">
+            <a:extLst>
+              <a:ext uri="{FF2B5EF4-FFF2-40B4-BE49-F238E27FC236}">
+                <a16:creationId xmlns:a16="http://schemas.microsoft.com/office/drawing/2014/main" id="{6D3EED70-BD8B-D4F0-94EB-B8F29FA82140}"/>
+              </a:ext>
+            </a:extLst>
+          </p:cNvPr>
+          <p:cNvSpPr txBox="1"/>
+          <p:nvPr/>
+        </p:nvSpPr>
+        <p:spPr>
+          <a:xfrm>
+            <a:off x="7503928" y="3906366"/>
+            <a:ext cx="2153154" cy="369332"/>
+          </a:xfrm>
+          <a:prstGeom prst="rect">
+            <a:avLst/>
+          </a:prstGeom>
+          <a:noFill/>
+        </p:spPr>
+        <p:txBody>
+          <a:bodyPr wrap="none" rtlCol="0">
+            <a:spAutoFit/>
+          </a:bodyPr>
+          <a:lstStyle/>
+          <a:p>
+            <a:r>
+              <a:rPr lang="en-US" b="1" dirty="0"/>
+              <a:t>Future Prospects:-</a:t>
+            </a:r>
+          </a:p>
+        </p:txBody>
+      </p:sp>
+      <p:sp>
+        <p:nvSpPr>
+          <p:cNvPr id="11" name="TextBox 10">
+            <a:extLst>
+              <a:ext uri="{FF2B5EF4-FFF2-40B4-BE49-F238E27FC236}">
+                <a16:creationId xmlns:a16="http://schemas.microsoft.com/office/drawing/2014/main" id="{E2EC7503-41AD-8D45-F2D1-EE1DC1D3F903}"/>
+              </a:ext>
+            </a:extLst>
+          </p:cNvPr>
+          <p:cNvSpPr txBox="1"/>
+          <p:nvPr/>
+        </p:nvSpPr>
+        <p:spPr>
+          <a:xfrm>
+            <a:off x="7463486" y="4321800"/>
+            <a:ext cx="3686074" cy="1200329"/>
+          </a:xfrm>
+          <a:prstGeom prst="rect">
+            <a:avLst/>
+          </a:prstGeom>
+          <a:noFill/>
+        </p:spPr>
+        <p:txBody>
+          <a:bodyPr wrap="none" rtlCol="0">
+            <a:spAutoFit/>
+          </a:bodyPr>
+          <a:lstStyle/>
+          <a:p>
+            <a:pPr marL="285750" indent="-285750">
+              <a:buFont typeface="Arial" panose="020B0604020202020204" pitchFamily="34" charset="0"/>
+              <a:buChar char="•"/>
+            </a:pPr>
+            <a:r>
+              <a:rPr lang="en-US" dirty="0">
+                <a:latin typeface="Cambria" panose="02040503050406030204" pitchFamily="18" charset="0"/>
+                <a:ea typeface="Cambria" panose="02040503050406030204" pitchFamily="18" charset="0"/>
+              </a:rPr>
+              <a:t>Increase Efficiency and Accuracy</a:t>
+            </a:r>
+          </a:p>
+          <a:p>
+            <a:pPr marL="285750" indent="-285750">
+              <a:buFont typeface="Arial" panose="020B0604020202020204" pitchFamily="34" charset="0"/>
+              <a:buChar char="•"/>
+            </a:pPr>
+            <a:r>
+              <a:rPr lang="en-US" dirty="0">
+                <a:latin typeface="Cambria" panose="02040503050406030204" pitchFamily="18" charset="0"/>
+                <a:ea typeface="Cambria" panose="02040503050406030204" pitchFamily="18" charset="0"/>
+              </a:rPr>
+              <a:t>AI and ML integration.</a:t>
+            </a:r>
+          </a:p>
+          <a:p>
+            <a:pPr marL="285750" indent="-285750">
+              <a:buFont typeface="Arial" panose="020B0604020202020204" pitchFamily="34" charset="0"/>
+              <a:buChar char="•"/>
+            </a:pPr>
+            <a:r>
+              <a:rPr lang="en-US" dirty="0">
+                <a:latin typeface="Cambria" panose="02040503050406030204" pitchFamily="18" charset="0"/>
+                <a:ea typeface="Cambria" panose="02040503050406030204" pitchFamily="18" charset="0"/>
+              </a:rPr>
+              <a:t>Introduce cache mechanism.</a:t>
+            </a:r>
+          </a:p>
+          <a:p>
+            <a:pPr marL="285750" indent="-285750">
+              <a:buFont typeface="Arial" panose="020B0604020202020204" pitchFamily="34" charset="0"/>
+              <a:buChar char="•"/>
+            </a:pPr>
+            <a:r>
+              <a:rPr lang="en-US" dirty="0">
+                <a:latin typeface="Cambria" panose="02040503050406030204" pitchFamily="18" charset="0"/>
+                <a:ea typeface="Cambria" panose="02040503050406030204" pitchFamily="18" charset="0"/>
+              </a:rPr>
+              <a:t>Educational Use.</a:t>
+            </a:r>
+          </a:p>
+        </p:txBody>
+      </p:sp>
+      <p:sp>
+        <p:nvSpPr>
+          <p:cNvPr id="12" name="TextBox 11">
+            <a:extLst>
+              <a:ext uri="{FF2B5EF4-FFF2-40B4-BE49-F238E27FC236}">
+                <a16:creationId xmlns:a16="http://schemas.microsoft.com/office/drawing/2014/main" id="{1069A42C-3634-5568-8199-9065A749136D}"/>
+              </a:ext>
+            </a:extLst>
+          </p:cNvPr>
+          <p:cNvSpPr txBox="1"/>
+          <p:nvPr/>
+        </p:nvSpPr>
+        <p:spPr>
+          <a:xfrm>
+            <a:off x="1762762" y="5426166"/>
+            <a:ext cx="1471878" cy="369332"/>
+          </a:xfrm>
+          <a:prstGeom prst="rect">
+            <a:avLst/>
+          </a:prstGeom>
+          <a:noFill/>
+        </p:spPr>
+        <p:txBody>
+          <a:bodyPr wrap="none" rtlCol="0">
+            <a:spAutoFit/>
+          </a:bodyPr>
+          <a:lstStyle/>
+          <a:p>
+            <a:r>
+              <a:rPr lang="en-US" b="1" dirty="0">
+                <a:latin typeface="Cambria" panose="02040503050406030204" pitchFamily="18" charset="0"/>
+                <a:ea typeface="Cambria" panose="02040503050406030204" pitchFamily="18" charset="0"/>
+              </a:rPr>
+              <a:t>Challenges:-</a:t>
             </a:r>
           </a:p>
         </p:txBody>
